--- a/third_week/3주차.pptx
+++ b/third_week/3주차.pptx
@@ -13,6 +13,8 @@
     <p:sldId id="261" r:id="rId7"/>
     <p:sldId id="262" r:id="rId8"/>
     <p:sldId id="263" r:id="rId9"/>
+    <p:sldId id="265" r:id="rId10"/>
+    <p:sldId id="266" r:id="rId11"/>
   </p:sldIdLst>
   <p:sldSz cx="12192000" cy="6858000"/>
   <p:notesSz cx="6858000" cy="9144000"/>
@@ -3443,6 +3445,193 @@
 </p:sld>
 </file>
 
+<file path=ppt/slides/slide10.xml><?xml version="1.0" encoding="utf-8"?>
+<p:sld xmlns:a="http://schemas.openxmlformats.org/drawingml/2006/main" xmlns:r="http://schemas.openxmlformats.org/officeDocument/2006/relationships" xmlns:p="http://schemas.openxmlformats.org/presentationml/2006/main">
+  <p:cSld>
+    <p:spTree>
+      <p:nvGrpSpPr>
+        <p:cNvPr id="1" name=""/>
+        <p:cNvGrpSpPr/>
+        <p:nvPr/>
+      </p:nvGrpSpPr>
+      <p:grpSpPr>
+        <a:xfrm>
+          <a:off x="0" y="0"/>
+          <a:ext cx="0" cy="0"/>
+          <a:chOff x="0" y="0"/>
+          <a:chExt cx="0" cy="0"/>
+        </a:xfrm>
+      </p:grpSpPr>
+      <p:sp>
+        <p:nvSpPr>
+          <p:cNvPr id="2" name="제목 1">
+            <a:extLst>
+              <a:ext uri="{FF2B5EF4-FFF2-40B4-BE49-F238E27FC236}">
+                <a16:creationId xmlns:a16="http://schemas.microsoft.com/office/drawing/2014/main" id="{171AE646-F8A1-7849-6D3D-1DC30BBE4CF7}"/>
+              </a:ext>
+            </a:extLst>
+          </p:cNvPr>
+          <p:cNvSpPr>
+            <a:spLocks noGrp="1"/>
+          </p:cNvSpPr>
+          <p:nvPr>
+            <p:ph type="title"/>
+          </p:nvPr>
+        </p:nvSpPr>
+        <p:spPr/>
+        <p:txBody>
+          <a:bodyPr/>
+          <a:lstStyle/>
+          <a:p>
+            <a:r>
+              <a:rPr lang="ko-KR" altLang="en-US" dirty="0"/>
+              <a:t>번외 </a:t>
+            </a:r>
+            <a:r>
+              <a:rPr lang="en-US" altLang="ko-KR" dirty="0"/>
+              <a:t>: </a:t>
+            </a:r>
+            <a:r>
+              <a:rPr lang="ko-KR" altLang="en-US" dirty="0"/>
+              <a:t>전처리기 활용</a:t>
+            </a:r>
+          </a:p>
+        </p:txBody>
+      </p:sp>
+      <p:sp>
+        <p:nvSpPr>
+          <p:cNvPr id="3" name="내용 개체 틀 2">
+            <a:extLst>
+              <a:ext uri="{FF2B5EF4-FFF2-40B4-BE49-F238E27FC236}">
+                <a16:creationId xmlns:a16="http://schemas.microsoft.com/office/drawing/2014/main" id="{ABFE8A25-F7EC-E7FC-C53B-4E1156FB2447}"/>
+              </a:ext>
+            </a:extLst>
+          </p:cNvPr>
+          <p:cNvSpPr>
+            <a:spLocks noGrp="1"/>
+          </p:cNvSpPr>
+          <p:nvPr>
+            <p:ph idx="1"/>
+          </p:nvPr>
+        </p:nvSpPr>
+        <p:spPr/>
+        <p:txBody>
+          <a:bodyPr/>
+          <a:lstStyle/>
+          <a:p>
+            <a:r>
+              <a:rPr lang="ko-KR" altLang="en-US" dirty="0"/>
+              <a:t>상수 설정 </a:t>
+            </a:r>
+            <a:r>
+              <a:rPr lang="en-US" altLang="ko-KR" dirty="0"/>
+              <a:t>: pie, 1e9,</a:t>
+            </a:r>
+            <a:r>
+              <a:rPr lang="ko-KR" altLang="en-US" dirty="0"/>
+              <a:t>무한대</a:t>
+            </a:r>
+            <a:r>
+              <a:rPr lang="en-US" altLang="ko-KR" dirty="0"/>
+              <a:t>,</a:t>
+            </a:r>
+            <a:r>
+              <a:rPr lang="ko-KR" altLang="en-US" dirty="0"/>
+              <a:t>기타 문제 </a:t>
+            </a:r>
+            <a:r>
+              <a:rPr lang="ko-KR" altLang="en-US" dirty="0" err="1"/>
+              <a:t>조건등</a:t>
+            </a:r>
+            <a:endParaRPr lang="en-US" altLang="ko-KR" dirty="0"/>
+          </a:p>
+          <a:p>
+            <a:r>
+              <a:rPr lang="ko-KR" altLang="en-US" dirty="0"/>
+              <a:t>디버깅 </a:t>
+            </a:r>
+            <a:r>
+              <a:rPr lang="en-US" altLang="ko-KR" dirty="0"/>
+              <a:t>: </a:t>
+            </a:r>
+            <a:r>
+              <a:rPr lang="en-US" altLang="ko-KR" dirty="0" err="1"/>
+              <a:t>BOJ,Codeforce</a:t>
+            </a:r>
+            <a:r>
+              <a:rPr lang="en-US" altLang="ko-KR" dirty="0"/>
+              <a:t> </a:t>
+            </a:r>
+            <a:r>
+              <a:rPr lang="ko-KR" altLang="en-US" dirty="0"/>
+              <a:t>등의 </a:t>
+            </a:r>
+            <a:r>
+              <a:rPr lang="en-US" altLang="ko-KR" dirty="0"/>
+              <a:t>judgement</a:t>
+            </a:r>
+            <a:r>
+              <a:rPr lang="ko-KR" altLang="en-US" dirty="0"/>
+              <a:t>에서 사용되는 컴파일 옵션 </a:t>
+            </a:r>
+            <a:r>
+              <a:rPr lang="en-US" altLang="ko-KR" dirty="0"/>
+              <a:t>ONLINE_JUDGE</a:t>
+            </a:r>
+            <a:r>
+              <a:rPr lang="ko-KR" altLang="en-US" dirty="0"/>
+              <a:t>를 활용한 디버깅용 전처리기 함수</a:t>
+            </a:r>
+            <a:endParaRPr lang="en-US" altLang="ko-KR" dirty="0"/>
+          </a:p>
+          <a:p>
+            <a:endParaRPr lang="en-US" altLang="ko-KR" dirty="0"/>
+          </a:p>
+          <a:p>
+            <a:r>
+              <a:rPr lang="en-US" altLang="ko-KR" dirty="0"/>
+              <a:t>Pow</a:t>
+            </a:r>
+            <a:r>
+              <a:rPr lang="ko-KR" altLang="en-US" dirty="0"/>
+              <a:t>함수의 부정확성 </a:t>
+            </a:r>
+            <a:r>
+              <a:rPr lang="en-US" altLang="ko-KR" dirty="0"/>
+              <a:t>=&gt; </a:t>
+            </a:r>
+            <a:r>
+              <a:rPr lang="ko-KR" altLang="en-US" dirty="0"/>
+              <a:t>전처리기</a:t>
+            </a:r>
+            <a:r>
+              <a:rPr lang="en-US" altLang="ko-KR" dirty="0"/>
+              <a:t>, </a:t>
+            </a:r>
+            <a:r>
+              <a:rPr lang="ko-KR" altLang="en-US" dirty="0"/>
+              <a:t>함수를 활용하여 해결</a:t>
+            </a:r>
+            <a:endParaRPr lang="en-US" altLang="ko-KR" dirty="0"/>
+          </a:p>
+          <a:p>
+            <a:endParaRPr lang="ko-KR" altLang="en-US" dirty="0"/>
+          </a:p>
+        </p:txBody>
+      </p:sp>
+    </p:spTree>
+    <p:extLst>
+      <p:ext uri="{BB962C8B-B14F-4D97-AF65-F5344CB8AC3E}">
+        <p14:creationId xmlns:p14="http://schemas.microsoft.com/office/powerpoint/2010/main" val="3370335211"/>
+      </p:ext>
+    </p:extLst>
+  </p:cSld>
+  <p:clrMapOvr>
+    <a:masterClrMapping/>
+  </p:clrMapOvr>
+</p:sld>
+</file>
+
 <file path=ppt/slides/slide2.xml><?xml version="1.0" encoding="utf-8"?>
 <p:sld xmlns:a="http://schemas.openxmlformats.org/drawingml/2006/main" xmlns:r="http://schemas.openxmlformats.org/officeDocument/2006/relationships" xmlns:p="http://schemas.openxmlformats.org/presentationml/2006/main">
   <p:cSld>
@@ -5036,119 +5225,127 @@
           <a:p>
             <a:r>
               <a:rPr lang="en-US" altLang="ko-KR" dirty="0"/>
-              <a:t>Greedy Algorithm</a:t>
+              <a:t>Greedy Algorithm </a:t>
+            </a:r>
+            <a:r>
+              <a:rPr lang="ko-KR" altLang="en-US" dirty="0"/>
+              <a:t>개요</a:t>
+            </a:r>
+          </a:p>
+        </p:txBody>
+      </p:sp>
+      <p:sp>
+        <p:nvSpPr>
+          <p:cNvPr id="3" name="내용 개체 틀 2">
+            <a:extLst>
+              <a:ext uri="{FF2B5EF4-FFF2-40B4-BE49-F238E27FC236}">
+                <a16:creationId xmlns:a16="http://schemas.microsoft.com/office/drawing/2014/main" id="{2B4AC193-E95C-1C7D-8738-1FC4C4295E80}"/>
+              </a:ext>
+            </a:extLst>
+          </p:cNvPr>
+          <p:cNvSpPr>
+            <a:spLocks noGrp="1"/>
+          </p:cNvSpPr>
+          <p:nvPr>
+            <p:ph idx="1"/>
+          </p:nvPr>
+        </p:nvSpPr>
+        <p:spPr/>
+        <p:txBody>
+          <a:bodyPr/>
+          <a:lstStyle/>
+          <a:p>
+            <a:r>
+              <a:rPr lang="ko-KR" altLang="en-US" dirty="0"/>
+              <a:t>결론 </a:t>
+            </a:r>
+            <a:r>
+              <a:rPr lang="en-US" altLang="ko-KR" dirty="0"/>
+              <a:t>: </a:t>
+            </a:r>
+            <a:r>
+              <a:rPr lang="ko-KR" altLang="en-US" dirty="0"/>
+              <a:t>항상 해당 시점에서 가장 나은 선택지를 고른다</a:t>
+            </a:r>
+            <a:r>
+              <a:rPr lang="en-US" altLang="ko-KR" dirty="0"/>
+              <a:t>. (</a:t>
+            </a:r>
+            <a:r>
+              <a:rPr lang="ko-KR" altLang="en-US" dirty="0"/>
+              <a:t>숲을 보지 않고 나무를 본다</a:t>
+            </a:r>
+            <a:r>
+              <a:rPr lang="en-US" altLang="ko-KR" dirty="0"/>
+              <a:t>.)</a:t>
+            </a:r>
+          </a:p>
+          <a:p>
+            <a:r>
+              <a:rPr lang="en-US" altLang="ko-KR" dirty="0"/>
+              <a:t>1) </a:t>
+            </a:r>
+            <a:r>
+              <a:rPr lang="ko-KR" altLang="en-US" dirty="0"/>
+              <a:t>욕심 많은 결정이 전체적으로 봤을 때 이득이 될 지를 판단</a:t>
+            </a:r>
+            <a:endParaRPr lang="en-US" altLang="ko-KR" dirty="0"/>
+          </a:p>
+          <a:p>
+            <a:endParaRPr lang="en-US" altLang="ko-KR" dirty="0"/>
+          </a:p>
+          <a:p>
+            <a:r>
+              <a:rPr lang="en-US" altLang="ko-KR" dirty="0"/>
+              <a:t>2) </a:t>
+            </a:r>
+            <a:r>
+              <a:rPr lang="ko-KR" altLang="en-US" dirty="0"/>
+              <a:t>어떻게 하면 욕심 적인 선택을 가능케 할 지를 고민</a:t>
+            </a:r>
+            <a:endParaRPr lang="en-US" altLang="ko-KR" dirty="0"/>
+          </a:p>
+          <a:p>
+            <a:endParaRPr lang="en-US" altLang="ko-KR" dirty="0"/>
+          </a:p>
+          <a:p>
+            <a:r>
+              <a:rPr lang="en-US" altLang="ko-KR" dirty="0"/>
+              <a:t>2</a:t>
+            </a:r>
+            <a:r>
+              <a:rPr lang="ko-KR" altLang="en-US" dirty="0"/>
+              <a:t>번의 과정에서 </a:t>
+            </a:r>
+            <a:r>
+              <a:rPr lang="en-US" altLang="ko-KR" dirty="0"/>
+              <a:t>1)</a:t>
+            </a:r>
+            <a:r>
+              <a:rPr lang="ko-KR" altLang="en-US" dirty="0"/>
+              <a:t>정렬 </a:t>
+            </a:r>
+            <a:r>
+              <a:rPr lang="en-US" altLang="ko-KR" dirty="0"/>
+              <a:t>2)</a:t>
+            </a:r>
+            <a:r>
+              <a:rPr lang="ko-KR" altLang="en-US" dirty="0"/>
+              <a:t>스택</a:t>
+            </a:r>
+            <a:r>
+              <a:rPr lang="en-US" altLang="ko-KR" dirty="0"/>
+              <a:t>/</a:t>
+            </a:r>
+            <a:r>
+              <a:rPr lang="ko-KR" altLang="en-US" dirty="0"/>
+              <a:t>큐 등이 많이 쓰인다</a:t>
+            </a:r>
+            <a:r>
+              <a:rPr lang="en-US" altLang="ko-KR" dirty="0"/>
+              <a:t>.</a:t>
             </a:r>
             <a:endParaRPr lang="ko-KR" altLang="en-US" dirty="0"/>
-          </a:p>
-        </p:txBody>
-      </p:sp>
-      <p:sp>
-        <p:nvSpPr>
-          <p:cNvPr id="3" name="내용 개체 틀 2">
-            <a:extLst>
-              <a:ext uri="{FF2B5EF4-FFF2-40B4-BE49-F238E27FC236}">
-                <a16:creationId xmlns:a16="http://schemas.microsoft.com/office/drawing/2014/main" id="{2B4AC193-E95C-1C7D-8738-1FC4C4295E80}"/>
-              </a:ext>
-            </a:extLst>
-          </p:cNvPr>
-          <p:cNvSpPr>
-            <a:spLocks noGrp="1"/>
-          </p:cNvSpPr>
-          <p:nvPr>
-            <p:ph idx="1"/>
-          </p:nvPr>
-        </p:nvSpPr>
-        <p:spPr/>
-        <p:txBody>
-          <a:bodyPr/>
-          <a:lstStyle/>
-          <a:p>
-            <a:r>
-              <a:rPr lang="ko-KR" altLang="en-US" dirty="0"/>
-              <a:t>오로지 해당 시점에서 가장 나은 선택지를 고른다</a:t>
-            </a:r>
-            <a:r>
-              <a:rPr lang="en-US" altLang="ko-KR" dirty="0"/>
-              <a:t>. (</a:t>
-            </a:r>
-            <a:r>
-              <a:rPr lang="ko-KR" altLang="en-US" dirty="0"/>
-              <a:t>큰 그림 </a:t>
-            </a:r>
-            <a:r>
-              <a:rPr lang="en-US" altLang="ko-KR" dirty="0"/>
-              <a:t>vs </a:t>
-            </a:r>
-            <a:r>
-              <a:rPr lang="ko-KR" altLang="en-US" dirty="0"/>
-              <a:t>작은 그림</a:t>
-            </a:r>
-            <a:r>
-              <a:rPr lang="en-US" altLang="ko-KR" dirty="0"/>
-              <a:t>)</a:t>
-            </a:r>
-          </a:p>
-          <a:p>
-            <a:r>
-              <a:rPr lang="en-US" altLang="ko-KR" dirty="0"/>
-              <a:t>1) </a:t>
-            </a:r>
-            <a:r>
-              <a:rPr lang="ko-KR" altLang="en-US" dirty="0"/>
-              <a:t>욕심 많은 결정이 전체적으로 봤을 때 이득이 될 지를 판단</a:t>
-            </a:r>
-            <a:endParaRPr lang="en-US" altLang="ko-KR" dirty="0"/>
-          </a:p>
-          <a:p>
-            <a:endParaRPr lang="en-US" altLang="ko-KR" dirty="0"/>
-          </a:p>
-          <a:p>
-            <a:r>
-              <a:rPr lang="en-US" altLang="ko-KR" dirty="0"/>
-              <a:t>2) </a:t>
-            </a:r>
-            <a:r>
-              <a:rPr lang="ko-KR" altLang="en-US" dirty="0"/>
-              <a:t>어떻게 하면 욕심 적인 선택을 가능케 할 지를 고민</a:t>
-            </a:r>
-            <a:endParaRPr lang="en-US" altLang="ko-KR" dirty="0"/>
-          </a:p>
-          <a:p>
-            <a:endParaRPr lang="en-US" altLang="ko-KR" dirty="0"/>
-          </a:p>
-          <a:p>
-            <a:r>
-              <a:rPr lang="en-US" altLang="ko-KR" dirty="0"/>
-              <a:t>2</a:t>
-            </a:r>
-            <a:r>
-              <a:rPr lang="ko-KR" altLang="en-US" dirty="0"/>
-              <a:t>번의 과정에서 </a:t>
-            </a:r>
-            <a:r>
-              <a:rPr lang="en-US" altLang="ko-KR" dirty="0"/>
-              <a:t>1)</a:t>
-            </a:r>
-            <a:r>
-              <a:rPr lang="ko-KR" altLang="en-US" dirty="0"/>
-              <a:t>정렬 </a:t>
-            </a:r>
-            <a:r>
-              <a:rPr lang="en-US" altLang="ko-KR" dirty="0"/>
-              <a:t>2)</a:t>
-            </a:r>
-            <a:r>
-              <a:rPr lang="ko-KR" altLang="en-US" dirty="0"/>
-              <a:t>스택</a:t>
-            </a:r>
-            <a:r>
-              <a:rPr lang="en-US" altLang="ko-KR" dirty="0"/>
-              <a:t>/</a:t>
-            </a:r>
-            <a:r>
-              <a:rPr lang="ko-KR" altLang="en-US" dirty="0"/>
-              <a:t>큐 등이 쓰이는 경우 존재</a:t>
-            </a:r>
           </a:p>
         </p:txBody>
       </p:sp>
@@ -5259,6 +5456,105 @@
               <a:rPr lang="en-US" altLang="ko-KR" dirty="0"/>
               <a:t> </a:t>
             </a:r>
+          </a:p>
+          <a:p>
+            <a:endParaRPr lang="en-US" altLang="ko-KR" dirty="0"/>
+          </a:p>
+          <a:p>
+            <a:r>
+              <a:rPr lang="ko-KR" altLang="en-US" dirty="0" err="1"/>
+              <a:t>입력받은</a:t>
+            </a:r>
+            <a:r>
+              <a:rPr lang="ko-KR" altLang="en-US" dirty="0"/>
+              <a:t> 괄호 문자열을 </a:t>
+            </a:r>
+            <a:r>
+              <a:rPr lang="en-US" altLang="ko-KR" dirty="0"/>
+              <a:t>for</a:t>
+            </a:r>
+            <a:r>
+              <a:rPr lang="ko-KR" altLang="en-US" dirty="0"/>
+              <a:t>문으로 훑으면서 </a:t>
+            </a:r>
+            <a:r>
+              <a:rPr lang="en-US" altLang="ko-KR" dirty="0"/>
+              <a:t>‘{‘</a:t>
+            </a:r>
+            <a:r>
+              <a:rPr lang="ko-KR" altLang="en-US" dirty="0"/>
+              <a:t>가 등장하면 스택에 넣어준다</a:t>
+            </a:r>
+            <a:r>
+              <a:rPr lang="en-US" altLang="ko-KR" dirty="0"/>
+              <a:t>.</a:t>
+            </a:r>
+          </a:p>
+          <a:p>
+            <a:r>
+              <a:rPr lang="en-US" altLang="ko-KR" dirty="0"/>
+              <a:t>‘}’ </a:t>
+            </a:r>
+            <a:r>
+              <a:rPr lang="ko-KR" altLang="en-US" dirty="0"/>
+              <a:t>가 등장하면</a:t>
+            </a:r>
+            <a:r>
+              <a:rPr lang="en-US" altLang="ko-KR" dirty="0"/>
+              <a:t>, </a:t>
+            </a:r>
+            <a:r>
+              <a:rPr lang="ko-KR" altLang="en-US" dirty="0"/>
+              <a:t>스택이 </a:t>
+            </a:r>
+            <a:r>
+              <a:rPr lang="ko-KR" altLang="en-US" dirty="0" err="1"/>
+              <a:t>비어있는지</a:t>
+            </a:r>
+            <a:r>
+              <a:rPr lang="ko-KR" altLang="en-US" dirty="0"/>
+              <a:t> 확인 한다</a:t>
+            </a:r>
+            <a:r>
+              <a:rPr lang="en-US" altLang="ko-KR" dirty="0"/>
+              <a:t>.</a:t>
+            </a:r>
+          </a:p>
+          <a:p>
+            <a:r>
+              <a:rPr lang="ko-KR" altLang="en-US" dirty="0" err="1"/>
+              <a:t>비어있으면</a:t>
+            </a:r>
+            <a:r>
+              <a:rPr lang="ko-KR" altLang="en-US" dirty="0"/>
+              <a:t> 무조건 바꿔야 하는 괄호이므로 </a:t>
+            </a:r>
+            <a:r>
+              <a:rPr lang="en-US" altLang="ko-KR" dirty="0" err="1"/>
+              <a:t>ans</a:t>
+            </a:r>
+            <a:r>
+              <a:rPr lang="en-US" altLang="ko-KR" dirty="0"/>
+              <a:t>++</a:t>
+            </a:r>
+          </a:p>
+          <a:p>
+            <a:r>
+              <a:rPr lang="ko-KR" altLang="en-US" dirty="0" err="1"/>
+              <a:t>비어있지</a:t>
+            </a:r>
+            <a:r>
+              <a:rPr lang="ko-KR" altLang="en-US" dirty="0"/>
+              <a:t> 않다면 </a:t>
+            </a:r>
+            <a:r>
+              <a:rPr lang="en-US" altLang="ko-KR" dirty="0" err="1"/>
+              <a:t>ans</a:t>
+            </a:r>
+            <a:r>
+              <a:rPr lang="en-US" altLang="ko-KR" dirty="0"/>
+              <a:t>--</a:t>
+            </a:r>
             <a:endParaRPr lang="ko-KR" altLang="en-US" dirty="0"/>
           </a:p>
         </p:txBody>
@@ -5267,6 +5563,173 @@
     <p:extLst>
       <p:ext uri="{BB962C8B-B14F-4D97-AF65-F5344CB8AC3E}">
         <p14:creationId xmlns:p14="http://schemas.microsoft.com/office/powerpoint/2010/main" val="2080610563"/>
+      </p:ext>
+    </p:extLst>
+  </p:cSld>
+  <p:clrMapOvr>
+    <a:masterClrMapping/>
+  </p:clrMapOvr>
+</p:sld>
+</file>
+
+<file path=ppt/slides/slide9.xml><?xml version="1.0" encoding="utf-8"?>
+<p:sld xmlns:a="http://schemas.openxmlformats.org/drawingml/2006/main" xmlns:r="http://schemas.openxmlformats.org/officeDocument/2006/relationships" xmlns:p="http://schemas.openxmlformats.org/presentationml/2006/main">
+  <p:cSld>
+    <p:spTree>
+      <p:nvGrpSpPr>
+        <p:cNvPr id="1" name=""/>
+        <p:cNvGrpSpPr/>
+        <p:nvPr/>
+      </p:nvGrpSpPr>
+      <p:grpSpPr>
+        <a:xfrm>
+          <a:off x="0" y="0"/>
+          <a:ext cx="0" cy="0"/>
+          <a:chOff x="0" y="0"/>
+          <a:chExt cx="0" cy="0"/>
+        </a:xfrm>
+      </p:grpSpPr>
+      <p:sp>
+        <p:nvSpPr>
+          <p:cNvPr id="2" name="제목 1">
+            <a:extLst>
+              <a:ext uri="{FF2B5EF4-FFF2-40B4-BE49-F238E27FC236}">
+                <a16:creationId xmlns:a16="http://schemas.microsoft.com/office/drawing/2014/main" id="{E19247C2-A77F-2A90-5B8D-54491D61F1E5}"/>
+              </a:ext>
+            </a:extLst>
+          </p:cNvPr>
+          <p:cNvSpPr>
+            <a:spLocks noGrp="1"/>
+          </p:cNvSpPr>
+          <p:nvPr>
+            <p:ph type="title"/>
+          </p:nvPr>
+        </p:nvSpPr>
+        <p:spPr/>
+        <p:txBody>
+          <a:bodyPr/>
+          <a:lstStyle/>
+          <a:p>
+            <a:r>
+              <a:rPr lang="en-US" altLang="ko-KR" dirty="0"/>
+              <a:t>Greedy Algorithm </a:t>
+            </a:r>
+            <a:r>
+              <a:rPr lang="ko-KR" altLang="en-US" dirty="0"/>
+              <a:t>정리</a:t>
+            </a:r>
+          </a:p>
+        </p:txBody>
+      </p:sp>
+      <p:sp>
+        <p:nvSpPr>
+          <p:cNvPr id="3" name="내용 개체 틀 2">
+            <a:extLst>
+              <a:ext uri="{FF2B5EF4-FFF2-40B4-BE49-F238E27FC236}">
+                <a16:creationId xmlns:a16="http://schemas.microsoft.com/office/drawing/2014/main" id="{18582738-0712-58BA-9C75-0C244E6F57A9}"/>
+              </a:ext>
+            </a:extLst>
+          </p:cNvPr>
+          <p:cNvSpPr>
+            <a:spLocks noGrp="1"/>
+          </p:cNvSpPr>
+          <p:nvPr>
+            <p:ph idx="1"/>
+          </p:nvPr>
+        </p:nvSpPr>
+        <p:spPr/>
+        <p:txBody>
+          <a:bodyPr/>
+          <a:lstStyle/>
+          <a:p>
+            <a:r>
+              <a:rPr lang="ko-KR" altLang="en-US" dirty="0"/>
+              <a:t>탐욕 선택 속성 </a:t>
+            </a:r>
+            <a:r>
+              <a:rPr lang="en-US" altLang="ko-KR" dirty="0"/>
+              <a:t>: </a:t>
+            </a:r>
+            <a:r>
+              <a:rPr lang="ko-KR" altLang="en-US" dirty="0"/>
+              <a:t>각 단계에서 가장 </a:t>
+            </a:r>
+            <a:r>
+              <a:rPr lang="ko-KR" altLang="en-US" dirty="0" err="1"/>
+              <a:t>그리디한</a:t>
+            </a:r>
+            <a:r>
+              <a:rPr lang="ko-KR" altLang="en-US" dirty="0"/>
+              <a:t> 결정이 최선의 결과를 불러오는 속성</a:t>
+            </a:r>
+            <a:endParaRPr lang="en-US" altLang="ko-KR" dirty="0"/>
+          </a:p>
+          <a:p>
+            <a:r>
+              <a:rPr lang="ko-KR" altLang="en-US" dirty="0"/>
+              <a:t>최적 부분 구조 </a:t>
+            </a:r>
+            <a:r>
+              <a:rPr lang="en-US" altLang="ko-KR" dirty="0"/>
+              <a:t>: </a:t>
+            </a:r>
+            <a:r>
+              <a:rPr lang="ko-KR" altLang="en-US" dirty="0"/>
+              <a:t>부분 문제의 최적해가 전체 문제의 최적해가 되는 경우 </a:t>
+            </a:r>
+            <a:r>
+              <a:rPr lang="en-US" altLang="ko-KR" dirty="0"/>
+              <a:t>(</a:t>
+            </a:r>
+            <a:r>
+              <a:rPr lang="ko-KR" altLang="en-US" dirty="0"/>
+              <a:t>큰 숲을 만들고 싶다면</a:t>
+            </a:r>
+            <a:r>
+              <a:rPr lang="en-US" altLang="ko-KR" dirty="0"/>
+              <a:t>, </a:t>
+            </a:r>
+            <a:r>
+              <a:rPr lang="ko-KR" altLang="en-US" dirty="0"/>
+              <a:t>큰 나무를 </a:t>
+            </a:r>
+            <a:r>
+              <a:rPr lang="ko-KR" altLang="en-US" dirty="0" err="1"/>
+              <a:t>사야한다</a:t>
+            </a:r>
+            <a:r>
+              <a:rPr lang="en-US" altLang="ko-KR" dirty="0"/>
+              <a:t>)</a:t>
+            </a:r>
+          </a:p>
+          <a:p>
+            <a:endParaRPr lang="en-US" altLang="ko-KR" dirty="0"/>
+          </a:p>
+          <a:p>
+            <a:r>
+              <a:rPr lang="ko-KR" altLang="en-US" dirty="0"/>
+              <a:t>탐욕 선택 속성을 잘 파악하는 것이 중요</a:t>
+            </a:r>
+            <a:r>
+              <a:rPr lang="en-US" altLang="ko-KR" dirty="0"/>
+              <a:t>. </a:t>
+            </a:r>
+            <a:r>
+              <a:rPr lang="ko-KR" altLang="en-US" dirty="0"/>
+              <a:t>보통은 만족하기 쉽지 않으므로 예외처리가 필요한 경우가 종종 있다</a:t>
+            </a:r>
+            <a:r>
+              <a:rPr lang="en-US" altLang="ko-KR" dirty="0"/>
+              <a:t>.</a:t>
+            </a:r>
+            <a:endParaRPr lang="ko-KR" altLang="en-US" dirty="0"/>
+          </a:p>
+        </p:txBody>
+      </p:sp>
+    </p:spTree>
+    <p:extLst>
+      <p:ext uri="{BB962C8B-B14F-4D97-AF65-F5344CB8AC3E}">
+        <p14:creationId xmlns:p14="http://schemas.microsoft.com/office/powerpoint/2010/main" val="1762688832"/>
       </p:ext>
     </p:extLst>
   </p:cSld>

--- a/third_week/3주차.pptx
+++ b/third_week/3주차.pptx
@@ -268,7 +268,7 @@
           <a:p>
             <a:fld id="{78103043-B96B-4374-8261-1131569D7478}" type="datetimeFigureOut">
               <a:rPr lang="ko-KR" altLang="en-US" smtClean="0"/>
-              <a:t>2023-11-16</a:t>
+              <a:t>2023-11-17</a:t>
             </a:fld>
             <a:endParaRPr lang="ko-KR" altLang="en-US"/>
           </a:p>
@@ -466,7 +466,7 @@
           <a:p>
             <a:fld id="{78103043-B96B-4374-8261-1131569D7478}" type="datetimeFigureOut">
               <a:rPr lang="ko-KR" altLang="en-US" smtClean="0"/>
-              <a:t>2023-11-16</a:t>
+              <a:t>2023-11-17</a:t>
             </a:fld>
             <a:endParaRPr lang="ko-KR" altLang="en-US"/>
           </a:p>
@@ -674,7 +674,7 @@
           <a:p>
             <a:fld id="{78103043-B96B-4374-8261-1131569D7478}" type="datetimeFigureOut">
               <a:rPr lang="ko-KR" altLang="en-US" smtClean="0"/>
-              <a:t>2023-11-16</a:t>
+              <a:t>2023-11-17</a:t>
             </a:fld>
             <a:endParaRPr lang="ko-KR" altLang="en-US"/>
           </a:p>
@@ -872,7 +872,7 @@
           <a:p>
             <a:fld id="{78103043-B96B-4374-8261-1131569D7478}" type="datetimeFigureOut">
               <a:rPr lang="ko-KR" altLang="en-US" smtClean="0"/>
-              <a:t>2023-11-16</a:t>
+              <a:t>2023-11-17</a:t>
             </a:fld>
             <a:endParaRPr lang="ko-KR" altLang="en-US"/>
           </a:p>
@@ -1147,7 +1147,7 @@
           <a:p>
             <a:fld id="{78103043-B96B-4374-8261-1131569D7478}" type="datetimeFigureOut">
               <a:rPr lang="ko-KR" altLang="en-US" smtClean="0"/>
-              <a:t>2023-11-16</a:t>
+              <a:t>2023-11-17</a:t>
             </a:fld>
             <a:endParaRPr lang="ko-KR" altLang="en-US"/>
           </a:p>
@@ -1412,7 +1412,7 @@
           <a:p>
             <a:fld id="{78103043-B96B-4374-8261-1131569D7478}" type="datetimeFigureOut">
               <a:rPr lang="ko-KR" altLang="en-US" smtClean="0"/>
-              <a:t>2023-11-16</a:t>
+              <a:t>2023-11-17</a:t>
             </a:fld>
             <a:endParaRPr lang="ko-KR" altLang="en-US"/>
           </a:p>
@@ -1824,7 +1824,7 @@
           <a:p>
             <a:fld id="{78103043-B96B-4374-8261-1131569D7478}" type="datetimeFigureOut">
               <a:rPr lang="ko-KR" altLang="en-US" smtClean="0"/>
-              <a:t>2023-11-16</a:t>
+              <a:t>2023-11-17</a:t>
             </a:fld>
             <a:endParaRPr lang="ko-KR" altLang="en-US"/>
           </a:p>
@@ -1965,7 +1965,7 @@
           <a:p>
             <a:fld id="{78103043-B96B-4374-8261-1131569D7478}" type="datetimeFigureOut">
               <a:rPr lang="ko-KR" altLang="en-US" smtClean="0"/>
-              <a:t>2023-11-16</a:t>
+              <a:t>2023-11-17</a:t>
             </a:fld>
             <a:endParaRPr lang="ko-KR" altLang="en-US"/>
           </a:p>
@@ -2078,7 +2078,7 @@
           <a:p>
             <a:fld id="{78103043-B96B-4374-8261-1131569D7478}" type="datetimeFigureOut">
               <a:rPr lang="ko-KR" altLang="en-US" smtClean="0"/>
-              <a:t>2023-11-16</a:t>
+              <a:t>2023-11-17</a:t>
             </a:fld>
             <a:endParaRPr lang="ko-KR" altLang="en-US"/>
           </a:p>
@@ -2389,7 +2389,7 @@
           <a:p>
             <a:fld id="{78103043-B96B-4374-8261-1131569D7478}" type="datetimeFigureOut">
               <a:rPr lang="ko-KR" altLang="en-US" smtClean="0"/>
-              <a:t>2023-11-16</a:t>
+              <a:t>2023-11-17</a:t>
             </a:fld>
             <a:endParaRPr lang="ko-KR" altLang="en-US"/>
           </a:p>
@@ -2677,7 +2677,7 @@
           <a:p>
             <a:fld id="{78103043-B96B-4374-8261-1131569D7478}" type="datetimeFigureOut">
               <a:rPr lang="ko-KR" altLang="en-US" smtClean="0"/>
-              <a:t>2023-11-16</a:t>
+              <a:t>2023-11-17</a:t>
             </a:fld>
             <a:endParaRPr lang="ko-KR" altLang="en-US"/>
           </a:p>
@@ -2918,7 +2918,7 @@
           <a:p>
             <a:fld id="{78103043-B96B-4374-8261-1131569D7478}" type="datetimeFigureOut">
               <a:rPr lang="ko-KR" altLang="en-US" smtClean="0"/>
-              <a:t>2023-11-16</a:t>
+              <a:t>2023-11-17</a:t>
             </a:fld>
             <a:endParaRPr lang="ko-KR" altLang="en-US"/>
           </a:p>
@@ -3725,7 +3725,7 @@
             </a:r>
             <a:r>
               <a:rPr lang="ko-KR" altLang="en-US" dirty="0"/>
-              <a:t>패러다임</a:t>
+              <a:t>알고리즘</a:t>
             </a:r>
             <a:endParaRPr lang="en-US" altLang="ko-KR" dirty="0"/>
           </a:p>

--- a/third_week/3주차.pptx
+++ b/third_week/3주차.pptx
@@ -5075,6 +5075,8 @@
               <a:rPr lang="en-US" altLang="ko-KR" dirty="0"/>
               <a:t>stack.cpp</a:t>
             </a:r>
+          </a:p>
+          <a:p>
             <a:endParaRPr lang="ko-KR" altLang="en-US" dirty="0"/>
           </a:p>
         </p:txBody>
@@ -5301,7 +5303,15 @@
             </a:r>
             <a:r>
               <a:rPr lang="ko-KR" altLang="en-US" dirty="0"/>
-              <a:t>어떻게 하면 욕심 적인 선택을 가능케 할 지를 고민</a:t>
+              <a:t>어떻게 하면 </a:t>
+            </a:r>
+            <a:r>
+              <a:rPr lang="ko-KR" altLang="en-US" dirty="0" err="1"/>
+              <a:t>욕심적인</a:t>
+            </a:r>
+            <a:r>
+              <a:rPr lang="ko-KR" altLang="en-US" dirty="0"/>
+              <a:t> 선택을 가능케 할 지를 고민</a:t>
             </a:r>
             <a:endParaRPr lang="en-US" altLang="ko-KR" dirty="0"/>
           </a:p>
@@ -5462,12 +5472,12 @@
           </a:p>
           <a:p>
             <a:r>
-              <a:rPr lang="ko-KR" altLang="en-US" dirty="0" err="1"/>
-              <a:t>입력받은</a:t>
-            </a:r>
-            <a:r>
-              <a:rPr lang="ko-KR" altLang="en-US" dirty="0"/>
-              <a:t> 괄호 문자열을 </a:t>
+              <a:rPr lang="ko-KR" altLang="en-US"/>
+              <a:t>입력 받은 </a:t>
+            </a:r>
+            <a:r>
+              <a:rPr lang="ko-KR" altLang="en-US" dirty="0"/>
+              <a:t>괄호 문자열을 </a:t>
             </a:r>
             <a:r>
               <a:rPr lang="en-US" altLang="ko-KR" dirty="0"/>
@@ -5505,15 +5515,15 @@
             </a:r>
             <a:r>
               <a:rPr lang="ko-KR" altLang="en-US" dirty="0"/>
-              <a:t>스택이 </a:t>
-            </a:r>
-            <a:r>
-              <a:rPr lang="ko-KR" altLang="en-US" dirty="0" err="1"/>
-              <a:t>비어있는지</a:t>
-            </a:r>
-            <a:r>
-              <a:rPr lang="ko-KR" altLang="en-US" dirty="0"/>
-              <a:t> 확인 한다</a:t>
+              <a:t>스택이 비어 </a:t>
+            </a:r>
+            <a:r>
+              <a:rPr lang="en-US" altLang="ko-KR" dirty="0"/>
+              <a:t>e</a:t>
+            </a:r>
+            <a:r>
+              <a:rPr lang="ko-KR" altLang="en-US" dirty="0"/>
+              <a:t>있는지 확인 한다</a:t>
             </a:r>
             <a:r>
               <a:rPr lang="en-US" altLang="ko-KR" dirty="0"/>

--- a/third_week/3주차.pptx
+++ b/third_week/3주차.pptx
@@ -3409,7 +3409,27 @@
             </a:r>
             <a:r>
               <a:rPr lang="ko-KR" altLang="en-US" dirty="0"/>
-              <a:t> 기초</a:t>
+              <a:t> 스택</a:t>
+            </a:r>
+            <a:r>
+              <a:rPr lang="en-US" altLang="ko-KR" dirty="0"/>
+              <a:t>, </a:t>
+            </a:r>
+            <a:r>
+              <a:rPr lang="ko-KR" altLang="en-US" dirty="0"/>
+              <a:t>큐</a:t>
+            </a:r>
+            <a:r>
+              <a:rPr lang="en-US" altLang="ko-KR" dirty="0"/>
+              <a:t>, </a:t>
+            </a:r>
+            <a:r>
+              <a:rPr lang="ko-KR" altLang="en-US" dirty="0" err="1"/>
+              <a:t>그리디</a:t>
+            </a:r>
+            <a:r>
+              <a:rPr lang="ko-KR" altLang="en-US"/>
+              <a:t> 알고리즘</a:t>
             </a:r>
             <a:br>
               <a:rPr lang="en-US" altLang="ko-KR" dirty="0"/>

--- a/third_week/3주차.pptx
+++ b/third_week/3주차.pptx
@@ -5492,12 +5492,8 @@
           </a:p>
           <a:p>
             <a:r>
-              <a:rPr lang="ko-KR" altLang="en-US"/>
-              <a:t>입력 받은 </a:t>
-            </a:r>
-            <a:r>
-              <a:rPr lang="ko-KR" altLang="en-US" dirty="0"/>
-              <a:t>괄호 문자열을 </a:t>
+              <a:rPr lang="ko-KR" altLang="en-US" dirty="0"/>
+              <a:t>입력 받은 괄호 문자열을 </a:t>
             </a:r>
             <a:r>
               <a:rPr lang="en-US" altLang="ko-KR" dirty="0"/>
@@ -5535,15 +5531,7 @@
             </a:r>
             <a:r>
               <a:rPr lang="ko-KR" altLang="en-US" dirty="0"/>
-              <a:t>스택이 비어 </a:t>
-            </a:r>
-            <a:r>
-              <a:rPr lang="en-US" altLang="ko-KR" dirty="0"/>
-              <a:t>e</a:t>
-            </a:r>
-            <a:r>
-              <a:rPr lang="ko-KR" altLang="en-US" dirty="0"/>
-              <a:t>있는지 확인 한다</a:t>
+              <a:t>스택이 비어 있는지 확인 한다</a:t>
             </a:r>
             <a:r>
               <a:rPr lang="en-US" altLang="ko-KR" dirty="0"/>

--- a/third_week/3주차.pptx
+++ b/third_week/3주차.pptx
@@ -268,7 +268,7 @@
           <a:p>
             <a:fld id="{78103043-B96B-4374-8261-1131569D7478}" type="datetimeFigureOut">
               <a:rPr lang="ko-KR" altLang="en-US" smtClean="0"/>
-              <a:t>2023-11-17</a:t>
+              <a:t>2023-12-01</a:t>
             </a:fld>
             <a:endParaRPr lang="ko-KR" altLang="en-US"/>
           </a:p>
@@ -466,7 +466,7 @@
           <a:p>
             <a:fld id="{78103043-B96B-4374-8261-1131569D7478}" type="datetimeFigureOut">
               <a:rPr lang="ko-KR" altLang="en-US" smtClean="0"/>
-              <a:t>2023-11-17</a:t>
+              <a:t>2023-12-01</a:t>
             </a:fld>
             <a:endParaRPr lang="ko-KR" altLang="en-US"/>
           </a:p>
@@ -674,7 +674,7 @@
           <a:p>
             <a:fld id="{78103043-B96B-4374-8261-1131569D7478}" type="datetimeFigureOut">
               <a:rPr lang="ko-KR" altLang="en-US" smtClean="0"/>
-              <a:t>2023-11-17</a:t>
+              <a:t>2023-12-01</a:t>
             </a:fld>
             <a:endParaRPr lang="ko-KR" altLang="en-US"/>
           </a:p>
@@ -872,7 +872,7 @@
           <a:p>
             <a:fld id="{78103043-B96B-4374-8261-1131569D7478}" type="datetimeFigureOut">
               <a:rPr lang="ko-KR" altLang="en-US" smtClean="0"/>
-              <a:t>2023-11-17</a:t>
+              <a:t>2023-12-01</a:t>
             </a:fld>
             <a:endParaRPr lang="ko-KR" altLang="en-US"/>
           </a:p>
@@ -1147,7 +1147,7 @@
           <a:p>
             <a:fld id="{78103043-B96B-4374-8261-1131569D7478}" type="datetimeFigureOut">
               <a:rPr lang="ko-KR" altLang="en-US" smtClean="0"/>
-              <a:t>2023-11-17</a:t>
+              <a:t>2023-12-01</a:t>
             </a:fld>
             <a:endParaRPr lang="ko-KR" altLang="en-US"/>
           </a:p>
@@ -1412,7 +1412,7 @@
           <a:p>
             <a:fld id="{78103043-B96B-4374-8261-1131569D7478}" type="datetimeFigureOut">
               <a:rPr lang="ko-KR" altLang="en-US" smtClean="0"/>
-              <a:t>2023-11-17</a:t>
+              <a:t>2023-12-01</a:t>
             </a:fld>
             <a:endParaRPr lang="ko-KR" altLang="en-US"/>
           </a:p>
@@ -1824,7 +1824,7 @@
           <a:p>
             <a:fld id="{78103043-B96B-4374-8261-1131569D7478}" type="datetimeFigureOut">
               <a:rPr lang="ko-KR" altLang="en-US" smtClean="0"/>
-              <a:t>2023-11-17</a:t>
+              <a:t>2023-12-01</a:t>
             </a:fld>
             <a:endParaRPr lang="ko-KR" altLang="en-US"/>
           </a:p>
@@ -1965,7 +1965,7 @@
           <a:p>
             <a:fld id="{78103043-B96B-4374-8261-1131569D7478}" type="datetimeFigureOut">
               <a:rPr lang="ko-KR" altLang="en-US" smtClean="0"/>
-              <a:t>2023-11-17</a:t>
+              <a:t>2023-12-01</a:t>
             </a:fld>
             <a:endParaRPr lang="ko-KR" altLang="en-US"/>
           </a:p>
@@ -2078,7 +2078,7 @@
           <a:p>
             <a:fld id="{78103043-B96B-4374-8261-1131569D7478}" type="datetimeFigureOut">
               <a:rPr lang="ko-KR" altLang="en-US" smtClean="0"/>
-              <a:t>2023-11-17</a:t>
+              <a:t>2023-12-01</a:t>
             </a:fld>
             <a:endParaRPr lang="ko-KR" altLang="en-US"/>
           </a:p>
@@ -2389,7 +2389,7 @@
           <a:p>
             <a:fld id="{78103043-B96B-4374-8261-1131569D7478}" type="datetimeFigureOut">
               <a:rPr lang="ko-KR" altLang="en-US" smtClean="0"/>
-              <a:t>2023-11-17</a:t>
+              <a:t>2023-12-01</a:t>
             </a:fld>
             <a:endParaRPr lang="ko-KR" altLang="en-US"/>
           </a:p>
@@ -2677,7 +2677,7 @@
           <a:p>
             <a:fld id="{78103043-B96B-4374-8261-1131569D7478}" type="datetimeFigureOut">
               <a:rPr lang="ko-KR" altLang="en-US" smtClean="0"/>
-              <a:t>2023-11-17</a:t>
+              <a:t>2023-12-01</a:t>
             </a:fld>
             <a:endParaRPr lang="ko-KR" altLang="en-US"/>
           </a:p>
@@ -2918,7 +2918,7 @@
           <a:p>
             <a:fld id="{78103043-B96B-4374-8261-1131569D7478}" type="datetimeFigureOut">
               <a:rPr lang="ko-KR" altLang="en-US" smtClean="0"/>
-              <a:t>2023-11-17</a:t>
+              <a:t>2023-12-01</a:t>
             </a:fld>
             <a:endParaRPr lang="ko-KR" altLang="en-US"/>
           </a:p>
@@ -3434,20 +3434,6 @@
             <a:br>
               <a:rPr lang="en-US" altLang="ko-KR" dirty="0"/>
             </a:br>
-            <a:br>
-              <a:rPr lang="en-US" altLang="ko-KR" dirty="0"/>
-            </a:br>
-            <a:r>
-              <a:rPr lang="ko-KR" altLang="en-US" dirty="0"/>
-              <a:t>꼭 인증샷을 남겨야 한다</a:t>
-            </a:r>
-            <a:r>
-              <a:rPr lang="en-US" altLang="ko-KR" dirty="0"/>
-              <a:t>!</a:t>
-            </a:r>
-            <a:br>
-              <a:rPr lang="en-US" altLang="ko-KR" dirty="0"/>
-            </a:br>
             <a:endParaRPr lang="ko-KR" altLang="en-US" dirty="0"/>
           </a:p>
         </p:txBody>
